--- a/Idea-Presentation-Format-SIH2023-College.pptx
+++ b/Idea-Presentation-Format-SIH2023-College.pptx
@@ -277,7 +277,7 @@
       <p15:sldGuideLst xmlns:p15="http://schemas.microsoft.com/office/powerpoint/2012/main"/>
     </p:ext>
     <p:ext uri="http://customooxmlschemas.google.com/">
-      <go:slidesCustomData xmlns="" xmlns:mc="http://schemas.openxmlformats.org/markup-compatibility/2006" xmlns:mv="urn:schemas-microsoft-com:mac:vml" xmlns:c="http://schemas.openxmlformats.org/drawingml/2006/chart" xmlns:dgm="http://schemas.openxmlformats.org/drawingml/2006/diagram" xmlns:o="urn:schemas-microsoft-com:office:office" xmlns:v="urn:schemas-microsoft-com:vml" xmlns:pvml="urn:schemas-microsoft-com:office:powerpoint" xmlns:com="http://schemas.openxmlformats.org/drawingml/2006/compatibility" xmlns:p14="http://schemas.microsoft.com/office/powerpoint/2010/main" xmlns:p15="http://schemas.microsoft.com/office/powerpoint/2012/main" xmlns:ahyp="http://schemas.microsoft.com/office/drawing/2018/hyperlinkcolor" xmlns:go="http://customooxmlschemas.google.com/" r:id="rId21" roundtripDataSignature="AMtx7mi1sBDdHb2XsYteFNPHBFMUQvu/sQ=="/>
+      <go:slidesCustomData xmlns:go="http://customooxmlschemas.google.com/" xmlns:ahyp="http://schemas.microsoft.com/office/drawing/2018/hyperlinkcolor" xmlns:p15="http://schemas.microsoft.com/office/powerpoint/2012/main" xmlns:p14="http://schemas.microsoft.com/office/powerpoint/2010/main" xmlns:com="http://schemas.openxmlformats.org/drawingml/2006/compatibility" xmlns:pvml="urn:schemas-microsoft-com:office:powerpoint" xmlns:v="urn:schemas-microsoft-com:vml" xmlns:o="urn:schemas-microsoft-com:office:office" xmlns:dgm="http://schemas.openxmlformats.org/drawingml/2006/diagram" xmlns:c="http://schemas.openxmlformats.org/drawingml/2006/chart" xmlns:mv="urn:schemas-microsoft-com:mac:vml" xmlns:mc="http://schemas.openxmlformats.org/markup-compatibility/2006" xmlns="" r:id="rId21" roundtripDataSignature="AMtx7mi1sBDdHb2XsYteFNPHBFMUQvu/sQ=="/>
     </p:ext>
   </p:extLst>
 </p:presentation>
@@ -25288,37 +25288,6 @@
       </p:sp>
       <p:sp>
         <p:nvSpPr>
-          <p:cNvPr id="220" name="Google Shape;220;p2"/>
-          <p:cNvSpPr>
-            <a:spLocks noGrp="1"/>
-          </p:cNvSpPr>
-          <p:nvPr>
-            <p:ph type="pic" idx="2"/>
-          </p:nvPr>
-        </p:nvSpPr>
-        <p:spPr>
-          <a:xfrm>
-            <a:off x="7378575" y="144261"/>
-            <a:ext cx="4689138" cy="3451543"/>
-          </a:xfrm>
-          <a:prstGeom prst="rect">
-            <a:avLst/>
-          </a:prstGeom>
-          <a:noFill/>
-          <a:ln>
-            <a:noFill/>
-          </a:ln>
-        </p:spPr>
-        <p:txBody>
-          <a:bodyPr/>
-          <a:lstStyle/>
-          <a:p>
-            <a:endParaRPr lang="en-IN"/>
-          </a:p>
-        </p:txBody>
-      </p:sp>
-      <p:sp>
-        <p:nvSpPr>
           <p:cNvPr id="221" name="Google Shape;221;p2"/>
           <p:cNvSpPr txBox="1"/>
           <p:nvPr/>
@@ -25641,6 +25610,36 @@
           </a:p>
         </p:txBody>
       </p:sp>
+      <p:pic>
+        <p:nvPicPr>
+          <p:cNvPr id="9" name="Picture Placeholder 8" descr="A blue and yellow snake logo&#10;&#10;Description automatically generated">
+            <a:extLst>
+              <a:ext uri="{FF2B5EF4-FFF2-40B4-BE49-F238E27FC236}">
+                <a16:creationId xmlns:a16="http://schemas.microsoft.com/office/drawing/2014/main" id="{D3288E67-43C6-4F61-0163-7A9FD8A7E69E}"/>
+              </a:ext>
+            </a:extLst>
+          </p:cNvPr>
+          <p:cNvPicPr>
+            <a:picLocks noGrp="1" noChangeAspect="1"/>
+          </p:cNvPicPr>
+          <p:nvPr>
+            <p:ph type="pic" idx="2"/>
+          </p:nvPr>
+        </p:nvPicPr>
+        <p:blipFill>
+          <a:blip r:embed="rId3"/>
+          <a:srcRect l="5842" r="5842"/>
+          <a:stretch>
+            <a:fillRect/>
+          </a:stretch>
+        </p:blipFill>
+        <p:spPr>
+          <a:xfrm>
+            <a:off x="7476499" y="4837991"/>
+            <a:ext cx="662376" cy="750072"/>
+          </a:xfrm>
+        </p:spPr>
+      </p:pic>
     </p:spTree>
   </p:cSld>
   <p:clrMapOvr>
